--- a/help/html/diagrams.pptx
+++ b/help/html/diagrams.pptx
@@ -3723,102 +3723,117 @@
           <a:chExt cx="0" cy="0"/>
         </a:xfrm>
       </p:grpSpPr>
-      <p:pic>
-        <p:nvPicPr>
-          <p:cNvPr id="2" name="Picture 1" descr="logo.png"/>
-          <p:cNvPicPr>
-            <a:picLocks noChangeAspect="1"/>
-          </p:cNvPicPr>
+      <p:grpSp>
+        <p:nvGrpSpPr>
+          <p:cNvPr id="6" name="Group 5"/>
+          <p:cNvGrpSpPr/>
           <p:nvPr/>
-        </p:nvPicPr>
-        <p:blipFill>
-          <a:blip r:embed="rId2"/>
-          <a:stretch>
-            <a:fillRect/>
-          </a:stretch>
-        </p:blipFill>
-        <p:spPr>
+        </p:nvGrpSpPr>
+        <p:grpSpPr>
           <a:xfrm>
             <a:off x="2895600" y="2807732"/>
-            <a:ext cx="914400" cy="914400"/>
+            <a:ext cx="3430359" cy="914400"/>
+            <a:chOff x="2895600" y="2807732"/>
+            <a:chExt cx="3430359" cy="914400"/>
           </a:xfrm>
-          <a:prstGeom prst="rect">
-            <a:avLst/>
-          </a:prstGeom>
-        </p:spPr>
-      </p:pic>
-      <p:sp>
-        <p:nvSpPr>
-          <p:cNvPr id="3" name="TextBox 2"/>
-          <p:cNvSpPr txBox="1"/>
-          <p:nvPr/>
-        </p:nvSpPr>
-        <p:spPr>
-          <a:xfrm>
-            <a:off x="3657600" y="3048000"/>
-            <a:ext cx="2668359" cy="369332"/>
-          </a:xfrm>
-          <a:prstGeom prst="rect">
-            <a:avLst/>
-          </a:prstGeom>
-          <a:noFill/>
-        </p:spPr>
-        <p:txBody>
-          <a:bodyPr wrap="none" rtlCol="0">
-            <a:spAutoFit/>
-          </a:bodyPr>
-          <a:lstStyle/>
-          <a:p>
-            <a:r>
-              <a:rPr lang="en-US" dirty="0" smtClean="0"/>
-              <a:t>Network Identity Manager</a:t>
-            </a:r>
-            <a:endParaRPr lang="en-US" dirty="0"/>
-          </a:p>
-        </p:txBody>
-      </p:sp>
-      <p:sp>
-        <p:nvSpPr>
-          <p:cNvPr id="5" name="TextBox 4"/>
-          <p:cNvSpPr txBox="1"/>
-          <p:nvPr/>
-        </p:nvSpPr>
-        <p:spPr>
-          <a:xfrm>
-            <a:off x="5410200" y="3341132"/>
-            <a:ext cx="879664" cy="276999"/>
-          </a:xfrm>
-          <a:prstGeom prst="rect">
-            <a:avLst/>
-          </a:prstGeom>
-          <a:noFill/>
-        </p:spPr>
-        <p:txBody>
-          <a:bodyPr wrap="none" rtlCol="0">
-            <a:spAutoFit/>
-          </a:bodyPr>
-          <a:lstStyle/>
-          <a:p>
-            <a:r>
-              <a:rPr lang="en-US" sz="1200" dirty="0" smtClean="0">
+        </p:grpSpPr>
+        <p:pic>
+          <p:nvPicPr>
+            <p:cNvPr id="2" name="Picture 1" descr="logo.png"/>
+            <p:cNvPicPr>
+              <a:picLocks noChangeAspect="1"/>
+            </p:cNvPicPr>
+            <p:nvPr/>
+          </p:nvPicPr>
+          <p:blipFill>
+            <a:blip r:embed="rId2"/>
+            <a:stretch>
+              <a:fillRect/>
+            </a:stretch>
+          </p:blipFill>
+          <p:spPr>
+            <a:xfrm>
+              <a:off x="2895600" y="2807732"/>
+              <a:ext cx="914400" cy="914400"/>
+            </a:xfrm>
+            <a:prstGeom prst="rect">
+              <a:avLst/>
+            </a:prstGeom>
+          </p:spPr>
+        </p:pic>
+        <p:sp>
+          <p:nvSpPr>
+            <p:cNvPr id="3" name="TextBox 2"/>
+            <p:cNvSpPr txBox="1"/>
+            <p:nvPr/>
+          </p:nvSpPr>
+          <p:spPr>
+            <a:xfrm>
+              <a:off x="3657600" y="3048000"/>
+              <a:ext cx="2668359" cy="369332"/>
+            </a:xfrm>
+            <a:prstGeom prst="rect">
+              <a:avLst/>
+            </a:prstGeom>
+            <a:noFill/>
+          </p:spPr>
+          <p:txBody>
+            <a:bodyPr wrap="none" rtlCol="0">
+              <a:spAutoFit/>
+            </a:bodyPr>
+            <a:lstStyle/>
+            <a:p>
+              <a:r>
+                <a:rPr lang="en-US" dirty="0" smtClean="0"/>
+                <a:t>Network Identity Manager</a:t>
+              </a:r>
+              <a:endParaRPr lang="en-US" dirty="0"/>
+            </a:p>
+          </p:txBody>
+        </p:sp>
+        <p:sp>
+          <p:nvSpPr>
+            <p:cNvPr id="5" name="TextBox 4"/>
+            <p:cNvSpPr txBox="1"/>
+            <p:nvPr/>
+          </p:nvSpPr>
+          <p:spPr>
+            <a:xfrm>
+              <a:off x="5410200" y="3341132"/>
+              <a:ext cx="879664" cy="276999"/>
+            </a:xfrm>
+            <a:prstGeom prst="rect">
+              <a:avLst/>
+            </a:prstGeom>
+            <a:noFill/>
+          </p:spPr>
+          <p:txBody>
+            <a:bodyPr wrap="none" rtlCol="0">
+              <a:spAutoFit/>
+            </a:bodyPr>
+            <a:lstStyle/>
+            <a:p>
+              <a:r>
+                <a:rPr lang="en-US" sz="1200" dirty="0" smtClean="0">
+                  <a:solidFill>
+                    <a:schemeClr val="bg1">
+                      <a:lumMod val="50000"/>
+                    </a:schemeClr>
+                  </a:solidFill>
+                </a:rPr>
+                <a:t>Version 2.0</a:t>
+              </a:r>
+              <a:endParaRPr lang="en-US" sz="1200" dirty="0">
                 <a:solidFill>
                   <a:schemeClr val="bg1">
                     <a:lumMod val="50000"/>
                   </a:schemeClr>
                 </a:solidFill>
-              </a:rPr>
-              <a:t>Version 2.0</a:t>
-            </a:r>
-            <a:endParaRPr lang="en-US" sz="1200" dirty="0">
-              <a:solidFill>
-                <a:schemeClr val="bg1">
-                  <a:lumMod val="50000"/>
-                </a:schemeClr>
-              </a:solidFill>
-            </a:endParaRPr>
-          </a:p>
-        </p:txBody>
-      </p:sp>
+              </a:endParaRPr>
+            </a:p>
+          </p:txBody>
+        </p:sp>
+      </p:grpSp>
     </p:spTree>
   </p:cSld>
   <p:clrMapOvr>

--- a/help/html/diagrams.pptx
+++ b/help/html/diagrams.pptx
@@ -9,6 +9,8 @@
     <p:sldId id="257" r:id="rId3"/>
     <p:sldId id="258" r:id="rId4"/>
     <p:sldId id="259" r:id="rId5"/>
+    <p:sldId id="260" r:id="rId6"/>
+    <p:sldId id="261" r:id="rId7"/>
   </p:sldIdLst>
   <p:sldSz cx="9144000" cy="6858000" type="screen4x3"/>
   <p:notesSz cx="6858000" cy="9144000"/>
@@ -291,7 +293,8 @@
           <a:p>
             <a:fld id="{1804320A-C0AB-45D7-BE2A-C31B58EDCEC0}" type="datetimeFigureOut">
               <a:rPr lang="en-US" smtClean="0"/>
-              <a:t>1/13/2010</a:t>
+              <a:pPr/>
+              <a:t>1/23/2010</a:t>
             </a:fld>
             <a:endParaRPr lang="en-US"/>
           </a:p>
@@ -333,6 +336,7 @@
           <a:p>
             <a:fld id="{236C1C74-8526-4341-9E02-DAEEB3240EC1}" type="slidenum">
               <a:rPr lang="en-US" smtClean="0"/>
+              <a:pPr/>
               <a:t>‹#›</a:t>
             </a:fld>
             <a:endParaRPr lang="en-US"/>
@@ -456,7 +460,8 @@
           <a:p>
             <a:fld id="{1804320A-C0AB-45D7-BE2A-C31B58EDCEC0}" type="datetimeFigureOut">
               <a:rPr lang="en-US" smtClean="0"/>
-              <a:t>1/13/2010</a:t>
+              <a:pPr/>
+              <a:t>1/23/2010</a:t>
             </a:fld>
             <a:endParaRPr lang="en-US"/>
           </a:p>
@@ -498,6 +503,7 @@
           <a:p>
             <a:fld id="{236C1C74-8526-4341-9E02-DAEEB3240EC1}" type="slidenum">
               <a:rPr lang="en-US" smtClean="0"/>
+              <a:pPr/>
               <a:t>‹#›</a:t>
             </a:fld>
             <a:endParaRPr lang="en-US"/>
@@ -631,7 +637,8 @@
           <a:p>
             <a:fld id="{1804320A-C0AB-45D7-BE2A-C31B58EDCEC0}" type="datetimeFigureOut">
               <a:rPr lang="en-US" smtClean="0"/>
-              <a:t>1/13/2010</a:t>
+              <a:pPr/>
+              <a:t>1/23/2010</a:t>
             </a:fld>
             <a:endParaRPr lang="en-US"/>
           </a:p>
@@ -673,6 +680,7 @@
           <a:p>
             <a:fld id="{236C1C74-8526-4341-9E02-DAEEB3240EC1}" type="slidenum">
               <a:rPr lang="en-US" smtClean="0"/>
+              <a:pPr/>
               <a:t>‹#›</a:t>
             </a:fld>
             <a:endParaRPr lang="en-US"/>
@@ -796,7 +804,8 @@
           <a:p>
             <a:fld id="{1804320A-C0AB-45D7-BE2A-C31B58EDCEC0}" type="datetimeFigureOut">
               <a:rPr lang="en-US" smtClean="0"/>
-              <a:t>1/13/2010</a:t>
+              <a:pPr/>
+              <a:t>1/23/2010</a:t>
             </a:fld>
             <a:endParaRPr lang="en-US"/>
           </a:p>
@@ -838,6 +847,7 @@
           <a:p>
             <a:fld id="{236C1C74-8526-4341-9E02-DAEEB3240EC1}" type="slidenum">
               <a:rPr lang="en-US" smtClean="0"/>
+              <a:pPr/>
               <a:t>‹#›</a:t>
             </a:fld>
             <a:endParaRPr lang="en-US"/>
@@ -1037,7 +1047,8 @@
           <a:p>
             <a:fld id="{1804320A-C0AB-45D7-BE2A-C31B58EDCEC0}" type="datetimeFigureOut">
               <a:rPr lang="en-US" smtClean="0"/>
-              <a:t>1/13/2010</a:t>
+              <a:pPr/>
+              <a:t>1/23/2010</a:t>
             </a:fld>
             <a:endParaRPr lang="en-US"/>
           </a:p>
@@ -1079,6 +1090,7 @@
           <a:p>
             <a:fld id="{236C1C74-8526-4341-9E02-DAEEB3240EC1}" type="slidenum">
               <a:rPr lang="en-US" smtClean="0"/>
+              <a:pPr/>
               <a:t>‹#›</a:t>
             </a:fld>
             <a:endParaRPr lang="en-US"/>
@@ -1320,7 +1332,8 @@
           <a:p>
             <a:fld id="{1804320A-C0AB-45D7-BE2A-C31B58EDCEC0}" type="datetimeFigureOut">
               <a:rPr lang="en-US" smtClean="0"/>
-              <a:t>1/13/2010</a:t>
+              <a:pPr/>
+              <a:t>1/23/2010</a:t>
             </a:fld>
             <a:endParaRPr lang="en-US"/>
           </a:p>
@@ -1362,6 +1375,7 @@
           <a:p>
             <a:fld id="{236C1C74-8526-4341-9E02-DAEEB3240EC1}" type="slidenum">
               <a:rPr lang="en-US" smtClean="0"/>
+              <a:pPr/>
               <a:t>‹#›</a:t>
             </a:fld>
             <a:endParaRPr lang="en-US"/>
@@ -1737,7 +1751,8 @@
           <a:p>
             <a:fld id="{1804320A-C0AB-45D7-BE2A-C31B58EDCEC0}" type="datetimeFigureOut">
               <a:rPr lang="en-US" smtClean="0"/>
-              <a:t>1/13/2010</a:t>
+              <a:pPr/>
+              <a:t>1/23/2010</a:t>
             </a:fld>
             <a:endParaRPr lang="en-US"/>
           </a:p>
@@ -1779,6 +1794,7 @@
           <a:p>
             <a:fld id="{236C1C74-8526-4341-9E02-DAEEB3240EC1}" type="slidenum">
               <a:rPr lang="en-US" smtClean="0"/>
+              <a:pPr/>
               <a:t>‹#›</a:t>
             </a:fld>
             <a:endParaRPr lang="en-US"/>
@@ -1850,7 +1866,8 @@
           <a:p>
             <a:fld id="{1804320A-C0AB-45D7-BE2A-C31B58EDCEC0}" type="datetimeFigureOut">
               <a:rPr lang="en-US" smtClean="0"/>
-              <a:t>1/13/2010</a:t>
+              <a:pPr/>
+              <a:t>1/23/2010</a:t>
             </a:fld>
             <a:endParaRPr lang="en-US"/>
           </a:p>
@@ -1892,6 +1909,7 @@
           <a:p>
             <a:fld id="{236C1C74-8526-4341-9E02-DAEEB3240EC1}" type="slidenum">
               <a:rPr lang="en-US" smtClean="0"/>
+              <a:pPr/>
               <a:t>‹#›</a:t>
             </a:fld>
             <a:endParaRPr lang="en-US"/>
@@ -1940,7 +1958,8 @@
           <a:p>
             <a:fld id="{1804320A-C0AB-45D7-BE2A-C31B58EDCEC0}" type="datetimeFigureOut">
               <a:rPr lang="en-US" smtClean="0"/>
-              <a:t>1/13/2010</a:t>
+              <a:pPr/>
+              <a:t>1/23/2010</a:t>
             </a:fld>
             <a:endParaRPr lang="en-US"/>
           </a:p>
@@ -1982,6 +2001,7 @@
           <a:p>
             <a:fld id="{236C1C74-8526-4341-9E02-DAEEB3240EC1}" type="slidenum">
               <a:rPr lang="en-US" smtClean="0"/>
+              <a:pPr/>
               <a:t>‹#›</a:t>
             </a:fld>
             <a:endParaRPr lang="en-US"/>
@@ -2212,7 +2232,8 @@
           <a:p>
             <a:fld id="{1804320A-C0AB-45D7-BE2A-C31B58EDCEC0}" type="datetimeFigureOut">
               <a:rPr lang="en-US" smtClean="0"/>
-              <a:t>1/13/2010</a:t>
+              <a:pPr/>
+              <a:t>1/23/2010</a:t>
             </a:fld>
             <a:endParaRPr lang="en-US"/>
           </a:p>
@@ -2254,6 +2275,7 @@
           <a:p>
             <a:fld id="{236C1C74-8526-4341-9E02-DAEEB3240EC1}" type="slidenum">
               <a:rPr lang="en-US" smtClean="0"/>
+              <a:pPr/>
               <a:t>‹#›</a:t>
             </a:fld>
             <a:endParaRPr lang="en-US"/>
@@ -2460,7 +2482,8 @@
           <a:p>
             <a:fld id="{1804320A-C0AB-45D7-BE2A-C31B58EDCEC0}" type="datetimeFigureOut">
               <a:rPr lang="en-US" smtClean="0"/>
-              <a:t>1/13/2010</a:t>
+              <a:pPr/>
+              <a:t>1/23/2010</a:t>
             </a:fld>
             <a:endParaRPr lang="en-US"/>
           </a:p>
@@ -2502,6 +2525,7 @@
           <a:p>
             <a:fld id="{236C1C74-8526-4341-9E02-DAEEB3240EC1}" type="slidenum">
               <a:rPr lang="en-US" smtClean="0"/>
+              <a:pPr/>
               <a:t>‹#›</a:t>
             </a:fld>
             <a:endParaRPr lang="en-US"/>
@@ -2668,7 +2692,8 @@
           <a:p>
             <a:fld id="{1804320A-C0AB-45D7-BE2A-C31B58EDCEC0}" type="datetimeFigureOut">
               <a:rPr lang="en-US" smtClean="0"/>
-              <a:t>1/13/2010</a:t>
+              <a:pPr/>
+              <a:t>1/23/2010</a:t>
             </a:fld>
             <a:endParaRPr lang="en-US"/>
           </a:p>
@@ -2746,6 +2771,7 @@
           <a:p>
             <a:fld id="{236C1C74-8526-4341-9E02-DAEEB3240EC1}" type="slidenum">
               <a:rPr lang="en-US" smtClean="0"/>
+              <a:pPr/>
               <a:t>‹#›</a:t>
             </a:fld>
             <a:endParaRPr lang="en-US"/>
@@ -3834,6 +3860,682 @@
           </p:txBody>
         </p:sp>
       </p:grpSp>
+    </p:spTree>
+  </p:cSld>
+  <p:clrMapOvr>
+    <a:masterClrMapping/>
+  </p:clrMapOvr>
+</p:sld>
+</file>
+
+<file path=ppt/slides/slide5.xml><?xml version="1.0" encoding="utf-8"?>
+<p:sld xmlns:a="http://schemas.openxmlformats.org/drawingml/2006/main" xmlns:r="http://schemas.openxmlformats.org/officeDocument/2006/relationships" xmlns:p="http://schemas.openxmlformats.org/presentationml/2006/main">
+  <p:cSld>
+    <p:spTree>
+      <p:nvGrpSpPr>
+        <p:cNvPr id="1" name=""/>
+        <p:cNvGrpSpPr/>
+        <p:nvPr/>
+      </p:nvGrpSpPr>
+      <p:grpSpPr>
+        <a:xfrm>
+          <a:off x="0" y="0"/>
+          <a:ext cx="0" cy="0"/>
+          <a:chOff x="0" y="0"/>
+          <a:chExt cx="0" cy="0"/>
+        </a:xfrm>
+      </p:grpSpPr>
+      <p:grpSp>
+        <p:nvGrpSpPr>
+          <p:cNvPr id="40" name="Group 39"/>
+          <p:cNvGrpSpPr/>
+          <p:nvPr/>
+        </p:nvGrpSpPr>
+        <p:grpSpPr>
+          <a:xfrm>
+            <a:off x="2514600" y="2514600"/>
+            <a:ext cx="4191000" cy="2133599"/>
+            <a:chOff x="990600" y="2438400"/>
+            <a:chExt cx="4867650" cy="2639199"/>
+          </a:xfrm>
+        </p:grpSpPr>
+        <p:pic>
+          <p:nvPicPr>
+            <p:cNvPr id="1026" name="Picture 2" descr="C:\Documents and Settings\asanka\Local Settings\Temporary Internet Files\Content.IE5\FU9RPTEQ\MCj02381790000[1].wmf"/>
+            <p:cNvPicPr>
+              <a:picLocks noChangeAspect="1" noChangeArrowheads="1"/>
+            </p:cNvPicPr>
+            <p:nvPr/>
+          </p:nvPicPr>
+          <p:blipFill>
+            <a:blip r:embed="rId2"/>
+            <a:srcRect/>
+            <a:stretch>
+              <a:fillRect/>
+            </a:stretch>
+          </p:blipFill>
+          <p:spPr bwMode="auto">
+            <a:xfrm>
+              <a:off x="1447800" y="3200400"/>
+              <a:ext cx="533400" cy="241481"/>
+            </a:xfrm>
+            <a:prstGeom prst="rect">
+              <a:avLst/>
+            </a:prstGeom>
+            <a:noFill/>
+          </p:spPr>
+        </p:pic>
+        <p:cxnSp>
+          <p:nvCxnSpPr>
+            <p:cNvPr id="4" name="Straight Arrow Connector 3"/>
+            <p:cNvCxnSpPr/>
+            <p:nvPr/>
+          </p:nvCxnSpPr>
+          <p:spPr>
+            <a:xfrm flipV="1">
+              <a:off x="2133600" y="2667000"/>
+              <a:ext cx="838200" cy="685800"/>
+            </a:xfrm>
+            <a:prstGeom prst="straightConnector1">
+              <a:avLst/>
+            </a:prstGeom>
+            <a:ln>
+              <a:tailEnd type="arrow"/>
+            </a:ln>
+          </p:spPr>
+          <p:style>
+            <a:lnRef idx="1">
+              <a:schemeClr val="accent1"/>
+            </a:lnRef>
+            <a:fillRef idx="0">
+              <a:schemeClr val="accent1"/>
+            </a:fillRef>
+            <a:effectRef idx="0">
+              <a:schemeClr val="accent1"/>
+            </a:effectRef>
+            <a:fontRef idx="minor">
+              <a:schemeClr val="tx1"/>
+            </a:fontRef>
+          </p:style>
+        </p:cxnSp>
+        <p:cxnSp>
+          <p:nvCxnSpPr>
+            <p:cNvPr id="6" name="Straight Arrow Connector 5"/>
+            <p:cNvCxnSpPr/>
+            <p:nvPr/>
+          </p:nvCxnSpPr>
+          <p:spPr>
+            <a:xfrm>
+              <a:off x="2133600" y="3352800"/>
+              <a:ext cx="838200" cy="1588"/>
+            </a:xfrm>
+            <a:prstGeom prst="straightConnector1">
+              <a:avLst/>
+            </a:prstGeom>
+            <a:ln>
+              <a:tailEnd type="arrow"/>
+            </a:ln>
+          </p:spPr>
+          <p:style>
+            <a:lnRef idx="1">
+              <a:schemeClr val="accent1"/>
+            </a:lnRef>
+            <a:fillRef idx="0">
+              <a:schemeClr val="accent1"/>
+            </a:fillRef>
+            <a:effectRef idx="0">
+              <a:schemeClr val="accent1"/>
+            </a:effectRef>
+            <a:fontRef idx="minor">
+              <a:schemeClr val="tx1"/>
+            </a:fontRef>
+          </p:style>
+        </p:cxnSp>
+        <p:cxnSp>
+          <p:nvCxnSpPr>
+            <p:cNvPr id="10" name="Straight Arrow Connector 9"/>
+            <p:cNvCxnSpPr/>
+            <p:nvPr/>
+          </p:nvCxnSpPr>
+          <p:spPr>
+            <a:xfrm>
+              <a:off x="2133600" y="3352800"/>
+              <a:ext cx="838200" cy="685800"/>
+            </a:xfrm>
+            <a:prstGeom prst="straightConnector1">
+              <a:avLst/>
+            </a:prstGeom>
+            <a:ln>
+              <a:tailEnd type="arrow"/>
+            </a:ln>
+          </p:spPr>
+          <p:style>
+            <a:lnRef idx="1">
+              <a:schemeClr val="accent1"/>
+            </a:lnRef>
+            <a:fillRef idx="0">
+              <a:schemeClr val="accent1"/>
+            </a:fillRef>
+            <a:effectRef idx="0">
+              <a:schemeClr val="accent1"/>
+            </a:effectRef>
+            <a:fontRef idx="minor">
+              <a:schemeClr val="tx1"/>
+            </a:fontRef>
+          </p:style>
+        </p:cxnSp>
+        <p:pic>
+          <p:nvPicPr>
+            <p:cNvPr id="11" name="Picture 2" descr="C:\Documents and Settings\asanka\Local Settings\Temporary Internet Files\Content.IE5\FU9RPTEQ\MCj02381790000[1].wmf"/>
+            <p:cNvPicPr>
+              <a:picLocks noChangeAspect="1" noChangeArrowheads="1"/>
+            </p:cNvPicPr>
+            <p:nvPr/>
+          </p:nvPicPr>
+          <p:blipFill>
+            <a:blip r:embed="rId2">
+              <a:duotone>
+                <a:schemeClr val="accent3">
+                  <a:shade val="45000"/>
+                  <a:satMod val="135000"/>
+                </a:schemeClr>
+                <a:prstClr val="white"/>
+              </a:duotone>
+            </a:blip>
+            <a:srcRect/>
+            <a:stretch>
+              <a:fillRect/>
+            </a:stretch>
+          </p:blipFill>
+          <p:spPr bwMode="auto">
+            <a:xfrm>
+              <a:off x="3048000" y="2501719"/>
+              <a:ext cx="533400" cy="241481"/>
+            </a:xfrm>
+            <a:prstGeom prst="rect">
+              <a:avLst/>
+            </a:prstGeom>
+            <a:noFill/>
+          </p:spPr>
+        </p:pic>
+        <p:pic>
+          <p:nvPicPr>
+            <p:cNvPr id="12" name="Picture 2" descr="C:\Documents and Settings\asanka\Local Settings\Temporary Internet Files\Content.IE5\FU9RPTEQ\MCj02381790000[1].wmf"/>
+            <p:cNvPicPr>
+              <a:picLocks noChangeAspect="1" noChangeArrowheads="1"/>
+            </p:cNvPicPr>
+            <p:nvPr/>
+          </p:nvPicPr>
+          <p:blipFill>
+            <a:blip r:embed="rId2">
+              <a:duotone>
+                <a:schemeClr val="accent3">
+                  <a:shade val="45000"/>
+                  <a:satMod val="135000"/>
+                </a:schemeClr>
+                <a:prstClr val="white"/>
+              </a:duotone>
+            </a:blip>
+            <a:srcRect/>
+            <a:stretch>
+              <a:fillRect/>
+            </a:stretch>
+          </p:blipFill>
+          <p:spPr bwMode="auto">
+            <a:xfrm>
+              <a:off x="3048000" y="3276600"/>
+              <a:ext cx="533400" cy="241481"/>
+            </a:xfrm>
+            <a:prstGeom prst="rect">
+              <a:avLst/>
+            </a:prstGeom>
+            <a:noFill/>
+          </p:spPr>
+        </p:pic>
+        <p:pic>
+          <p:nvPicPr>
+            <p:cNvPr id="13" name="Picture 2" descr="C:\Documents and Settings\asanka\Local Settings\Temporary Internet Files\Content.IE5\FU9RPTEQ\MCj02381790000[1].wmf"/>
+            <p:cNvPicPr>
+              <a:picLocks noChangeAspect="1" noChangeArrowheads="1"/>
+            </p:cNvPicPr>
+            <p:nvPr/>
+          </p:nvPicPr>
+          <p:blipFill>
+            <a:blip r:embed="rId2">
+              <a:duotone>
+                <a:schemeClr val="accent3">
+                  <a:shade val="45000"/>
+                  <a:satMod val="135000"/>
+                </a:schemeClr>
+                <a:prstClr val="white"/>
+              </a:duotone>
+            </a:blip>
+            <a:srcRect/>
+            <a:stretch>
+              <a:fillRect/>
+            </a:stretch>
+          </p:blipFill>
+          <p:spPr bwMode="auto">
+            <a:xfrm>
+              <a:off x="3048000" y="4038600"/>
+              <a:ext cx="533400" cy="241481"/>
+            </a:xfrm>
+            <a:prstGeom prst="rect">
+              <a:avLst/>
+            </a:prstGeom>
+            <a:noFill/>
+          </p:spPr>
+        </p:pic>
+        <p:cxnSp>
+          <p:nvCxnSpPr>
+            <p:cNvPr id="15" name="Straight Arrow Connector 14"/>
+            <p:cNvCxnSpPr/>
+            <p:nvPr/>
+          </p:nvCxnSpPr>
+          <p:spPr>
+            <a:xfrm>
+              <a:off x="3657600" y="2590800"/>
+              <a:ext cx="914400" cy="1588"/>
+            </a:xfrm>
+            <a:prstGeom prst="straightConnector1">
+              <a:avLst/>
+            </a:prstGeom>
+            <a:ln>
+              <a:tailEnd type="arrow"/>
+            </a:ln>
+          </p:spPr>
+          <p:style>
+            <a:lnRef idx="1">
+              <a:schemeClr val="accent1"/>
+            </a:lnRef>
+            <a:fillRef idx="0">
+              <a:schemeClr val="accent1"/>
+            </a:fillRef>
+            <a:effectRef idx="0">
+              <a:schemeClr val="accent1"/>
+            </a:effectRef>
+            <a:fontRef idx="minor">
+              <a:schemeClr val="tx1"/>
+            </a:fontRef>
+          </p:style>
+        </p:cxnSp>
+        <p:cxnSp>
+          <p:nvCxnSpPr>
+            <p:cNvPr id="17" name="Straight Arrow Connector 16"/>
+            <p:cNvCxnSpPr/>
+            <p:nvPr/>
+          </p:nvCxnSpPr>
+          <p:spPr>
+            <a:xfrm>
+              <a:off x="3657600" y="3352800"/>
+              <a:ext cx="914400" cy="1588"/>
+            </a:xfrm>
+            <a:prstGeom prst="straightConnector1">
+              <a:avLst/>
+            </a:prstGeom>
+            <a:ln>
+              <a:tailEnd type="arrow"/>
+            </a:ln>
+          </p:spPr>
+          <p:style>
+            <a:lnRef idx="1">
+              <a:schemeClr val="accent1"/>
+            </a:lnRef>
+            <a:fillRef idx="0">
+              <a:schemeClr val="accent1"/>
+            </a:fillRef>
+            <a:effectRef idx="0">
+              <a:schemeClr val="accent1"/>
+            </a:effectRef>
+            <a:fontRef idx="minor">
+              <a:schemeClr val="tx1"/>
+            </a:fontRef>
+          </p:style>
+        </p:cxnSp>
+        <p:cxnSp>
+          <p:nvCxnSpPr>
+            <p:cNvPr id="19" name="Straight Arrow Connector 18"/>
+            <p:cNvCxnSpPr/>
+            <p:nvPr/>
+          </p:nvCxnSpPr>
+          <p:spPr>
+            <a:xfrm>
+              <a:off x="3657600" y="4114800"/>
+              <a:ext cx="914400" cy="1588"/>
+            </a:xfrm>
+            <a:prstGeom prst="straightConnector1">
+              <a:avLst/>
+            </a:prstGeom>
+            <a:ln>
+              <a:tailEnd type="arrow"/>
+            </a:ln>
+          </p:spPr>
+          <p:style>
+            <a:lnRef idx="1">
+              <a:schemeClr val="accent1"/>
+            </a:lnRef>
+            <a:fillRef idx="0">
+              <a:schemeClr val="accent1"/>
+            </a:fillRef>
+            <a:effectRef idx="0">
+              <a:schemeClr val="accent1"/>
+            </a:effectRef>
+            <a:fontRef idx="minor">
+              <a:schemeClr val="tx1"/>
+            </a:fontRef>
+          </p:style>
+        </p:cxnSp>
+        <p:sp>
+          <p:nvSpPr>
+            <p:cNvPr id="21" name="TextBox 20"/>
+            <p:cNvSpPr txBox="1"/>
+            <p:nvPr/>
+          </p:nvSpPr>
+          <p:spPr>
+            <a:xfrm>
+              <a:off x="4648200" y="2438400"/>
+              <a:ext cx="1096262" cy="369332"/>
+            </a:xfrm>
+            <a:prstGeom prst="rect">
+              <a:avLst/>
+            </a:prstGeom>
+            <a:noFill/>
+          </p:spPr>
+          <p:txBody>
+            <a:bodyPr wrap="none" rtlCol="0">
+              <a:spAutoFit/>
+            </a:bodyPr>
+            <a:lstStyle/>
+            <a:p>
+              <a:r>
+                <a:rPr lang="en-US" dirty="0" smtClean="0"/>
+                <a:t>Identity A</a:t>
+              </a:r>
+              <a:endParaRPr lang="en-US" dirty="0"/>
+            </a:p>
+          </p:txBody>
+        </p:sp>
+        <p:sp>
+          <p:nvSpPr>
+            <p:cNvPr id="22" name="TextBox 21"/>
+            <p:cNvSpPr txBox="1"/>
+            <p:nvPr/>
+          </p:nvSpPr>
+          <p:spPr>
+            <a:xfrm>
+              <a:off x="4648200" y="3200400"/>
+              <a:ext cx="1088247" cy="369332"/>
+            </a:xfrm>
+            <a:prstGeom prst="rect">
+              <a:avLst/>
+            </a:prstGeom>
+            <a:noFill/>
+          </p:spPr>
+          <p:txBody>
+            <a:bodyPr wrap="none" rtlCol="0">
+              <a:spAutoFit/>
+            </a:bodyPr>
+            <a:lstStyle/>
+            <a:p>
+              <a:r>
+                <a:rPr lang="en-US" dirty="0" smtClean="0"/>
+                <a:t>Identity B</a:t>
+              </a:r>
+              <a:endParaRPr lang="en-US" dirty="0"/>
+            </a:p>
+          </p:txBody>
+        </p:sp>
+        <p:sp>
+          <p:nvSpPr>
+            <p:cNvPr id="23" name="TextBox 22"/>
+            <p:cNvSpPr txBox="1"/>
+            <p:nvPr/>
+          </p:nvSpPr>
+          <p:spPr>
+            <a:xfrm>
+              <a:off x="4648200" y="3962400"/>
+              <a:ext cx="1086644" cy="369332"/>
+            </a:xfrm>
+            <a:prstGeom prst="rect">
+              <a:avLst/>
+            </a:prstGeom>
+            <a:noFill/>
+          </p:spPr>
+          <p:txBody>
+            <a:bodyPr wrap="none" rtlCol="0">
+              <a:spAutoFit/>
+            </a:bodyPr>
+            <a:lstStyle/>
+            <a:p>
+              <a:r>
+                <a:rPr lang="en-US" dirty="0" smtClean="0"/>
+                <a:t>Identity C</a:t>
+              </a:r>
+              <a:endParaRPr lang="en-US" dirty="0"/>
+            </a:p>
+          </p:txBody>
+        </p:sp>
+        <p:sp>
+          <p:nvSpPr>
+            <p:cNvPr id="24" name="TextBox 23"/>
+            <p:cNvSpPr txBox="1"/>
+            <p:nvPr/>
+          </p:nvSpPr>
+          <p:spPr>
+            <a:xfrm>
+              <a:off x="990600" y="3429000"/>
+              <a:ext cx="1368003" cy="369332"/>
+            </a:xfrm>
+            <a:prstGeom prst="rect">
+              <a:avLst/>
+            </a:prstGeom>
+            <a:noFill/>
+          </p:spPr>
+          <p:txBody>
+            <a:bodyPr wrap="none" rtlCol="0">
+              <a:spAutoFit/>
+            </a:bodyPr>
+            <a:lstStyle/>
+            <a:p>
+              <a:r>
+                <a:rPr lang="en-US" dirty="0" smtClean="0"/>
+                <a:t>My KeyStore</a:t>
+              </a:r>
+              <a:endParaRPr lang="en-US" dirty="0"/>
+            </a:p>
+          </p:txBody>
+        </p:sp>
+        <p:sp>
+          <p:nvSpPr>
+            <p:cNvPr id="25" name="Right Brace 24"/>
+            <p:cNvSpPr/>
+            <p:nvPr/>
+          </p:nvSpPr>
+          <p:spPr>
+            <a:xfrm rot="5400000">
+              <a:off x="4991100" y="4000500"/>
+              <a:ext cx="381000" cy="1219200"/>
+            </a:xfrm>
+            <a:prstGeom prst="rightBrace">
+              <a:avLst/>
+            </a:prstGeom>
+          </p:spPr>
+          <p:style>
+            <a:lnRef idx="1">
+              <a:schemeClr val="accent1"/>
+            </a:lnRef>
+            <a:fillRef idx="0">
+              <a:schemeClr val="accent1"/>
+            </a:fillRef>
+            <a:effectRef idx="0">
+              <a:schemeClr val="accent1"/>
+            </a:effectRef>
+            <a:fontRef idx="minor">
+              <a:schemeClr val="tx1"/>
+            </a:fontRef>
+          </p:style>
+          <p:txBody>
+            <a:bodyPr rtlCol="0" anchor="ctr"/>
+            <a:lstStyle/>
+            <a:p>
+              <a:pPr algn="ctr"/>
+              <a:endParaRPr lang="en-US"/>
+            </a:p>
+          </p:txBody>
+        </p:sp>
+        <p:sp>
+          <p:nvSpPr>
+            <p:cNvPr id="26" name="TextBox 25"/>
+            <p:cNvSpPr txBox="1"/>
+            <p:nvPr/>
+          </p:nvSpPr>
+          <p:spPr>
+            <a:xfrm>
+              <a:off x="4572000" y="4800600"/>
+              <a:ext cx="1286250" cy="276999"/>
+            </a:xfrm>
+            <a:prstGeom prst="rect">
+              <a:avLst/>
+            </a:prstGeom>
+            <a:noFill/>
+          </p:spPr>
+          <p:txBody>
+            <a:bodyPr wrap="none" rtlCol="0">
+              <a:spAutoFit/>
+            </a:bodyPr>
+            <a:lstStyle/>
+            <a:p>
+              <a:r>
+                <a:rPr lang="en-US" sz="1200" dirty="0" smtClean="0"/>
+                <a:t>Derived identities</a:t>
+              </a:r>
+              <a:endParaRPr lang="en-US" sz="1200" dirty="0"/>
+            </a:p>
+          </p:txBody>
+        </p:sp>
+        <p:sp>
+          <p:nvSpPr>
+            <p:cNvPr id="35" name="Right Brace 34"/>
+            <p:cNvSpPr/>
+            <p:nvPr/>
+          </p:nvSpPr>
+          <p:spPr>
+            <a:xfrm rot="5400000">
+              <a:off x="3162300" y="4000500"/>
+              <a:ext cx="381000" cy="1219200"/>
+            </a:xfrm>
+            <a:prstGeom prst="rightBrace">
+              <a:avLst/>
+            </a:prstGeom>
+          </p:spPr>
+          <p:style>
+            <a:lnRef idx="1">
+              <a:schemeClr val="accent1"/>
+            </a:lnRef>
+            <a:fillRef idx="0">
+              <a:schemeClr val="accent1"/>
+            </a:fillRef>
+            <a:effectRef idx="0">
+              <a:schemeClr val="accent1"/>
+            </a:effectRef>
+            <a:fontRef idx="minor">
+              <a:schemeClr val="tx1"/>
+            </a:fontRef>
+          </p:style>
+          <p:txBody>
+            <a:bodyPr rtlCol="0" anchor="ctr"/>
+            <a:lstStyle/>
+            <a:p>
+              <a:pPr algn="ctr"/>
+              <a:endParaRPr lang="en-US"/>
+            </a:p>
+          </p:txBody>
+        </p:sp>
+        <p:sp>
+          <p:nvSpPr>
+            <p:cNvPr id="38" name="TextBox 37"/>
+            <p:cNvSpPr txBox="1"/>
+            <p:nvPr/>
+          </p:nvSpPr>
+          <p:spPr>
+            <a:xfrm>
+              <a:off x="2667000" y="4800600"/>
+              <a:ext cx="1462644" cy="276999"/>
+            </a:xfrm>
+            <a:prstGeom prst="rect">
+              <a:avLst/>
+            </a:prstGeom>
+            <a:noFill/>
+          </p:spPr>
+          <p:txBody>
+            <a:bodyPr wrap="none" rtlCol="0">
+              <a:spAutoFit/>
+            </a:bodyPr>
+            <a:lstStyle/>
+            <a:p>
+              <a:r>
+                <a:rPr lang="en-US" sz="1200" dirty="0" smtClean="0"/>
+                <a:t>Unlocked passwords</a:t>
+              </a:r>
+            </a:p>
+          </p:txBody>
+        </p:sp>
+        <p:sp>
+          <p:nvSpPr>
+            <p:cNvPr id="39" name="TextBox 38"/>
+            <p:cNvSpPr txBox="1"/>
+            <p:nvPr/>
+          </p:nvSpPr>
+          <p:spPr>
+            <a:xfrm>
+              <a:off x="1066800" y="3733800"/>
+              <a:ext cx="1260602" cy="276999"/>
+            </a:xfrm>
+            <a:prstGeom prst="rect">
+              <a:avLst/>
+            </a:prstGeom>
+            <a:noFill/>
+          </p:spPr>
+          <p:txBody>
+            <a:bodyPr wrap="none" rtlCol="0">
+              <a:spAutoFit/>
+            </a:bodyPr>
+            <a:lstStyle/>
+            <a:p>
+              <a:r>
+                <a:rPr lang="en-US" sz="1200" dirty="0" smtClean="0"/>
+                <a:t>Master password</a:t>
+              </a:r>
+              <a:endParaRPr lang="en-US" sz="1200" dirty="0"/>
+            </a:p>
+          </p:txBody>
+        </p:sp>
+      </p:grpSp>
+    </p:spTree>
+  </p:cSld>
+  <p:clrMapOvr>
+    <a:masterClrMapping/>
+  </p:clrMapOvr>
+</p:sld>
+</file>
+
+<file path=ppt/slides/slide6.xml><?xml version="1.0" encoding="utf-8"?>
+<p:sld xmlns:a="http://schemas.openxmlformats.org/drawingml/2006/main" xmlns:r="http://schemas.openxmlformats.org/officeDocument/2006/relationships" xmlns:p="http://schemas.openxmlformats.org/presentationml/2006/main">
+  <p:cSld>
+    <p:spTree>
+      <p:nvGrpSpPr>
+        <p:cNvPr id="1" name=""/>
+        <p:cNvGrpSpPr/>
+        <p:nvPr/>
+      </p:nvGrpSpPr>
+      <p:grpSpPr>
+        <a:xfrm>
+          <a:off x="0" y="0"/>
+          <a:ext cx="0" cy="0"/>
+          <a:chOff x="0" y="0"/>
+          <a:chExt cx="0" cy="0"/>
+        </a:xfrm>
+      </p:grpSpPr>
     </p:spTree>
   </p:cSld>
   <p:clrMapOvr>
